--- a/material/10_CSharp_기본문법 (디버깅).pptx
+++ b/material/10_CSharp_기본문법 (디버깅).pptx
@@ -24,21 +24,17 @@
   <p:notesSz cx="6858000" cy="9144000"/>
   <p:embeddedFontLst>
     <p:embeddedFont>
-      <p:font typeface="Malgun Gothic Semilight" panose="020B0502040204020203" pitchFamily="50" charset="-127"/>
+      <p:font typeface="AppleSDGothicNeoB00" panose="020B0600000101010101" charset="-127"/>
       <p:regular r:id="rId14"/>
     </p:embeddedFont>
     <p:embeddedFont>
-      <p:font typeface="AppleSDGothicNeoB00" panose="020B0600000101010101" charset="-127"/>
+      <p:font typeface="AppleSDGothicNeoH00" panose="020B0600000101010101" charset="-127"/>
       <p:regular r:id="rId15"/>
     </p:embeddedFont>
     <p:embeddedFont>
       <p:font typeface="맑은 고딕" panose="020B0503020000020004" pitchFamily="50" charset="-127"/>
       <p:regular r:id="rId16"/>
       <p:bold r:id="rId17"/>
-    </p:embeddedFont>
-    <p:embeddedFont>
-      <p:font typeface="AppleSDGothicNeoH00" panose="020B0600000101010101" charset="-127"/>
-      <p:regular r:id="rId18"/>
     </p:embeddedFont>
   </p:embeddedFontLst>
   <p:defaultTextStyle>
@@ -649,6 +645,113 @@
           <a:lstStyle/>
           <a:p>
             <a:r>
+              <a:rPr lang="en-US" altLang="ko-KR" dirty="0"/>
+              <a:t>Local : </a:t>
+            </a:r>
+            <a:r>
+              <a:rPr lang="ko-KR" altLang="en-US" dirty="0"/>
+              <a:t>현재 멈춘 시점</a:t>
+            </a:r>
+            <a:r>
+              <a:rPr lang="en-US" altLang="ko-KR" dirty="0"/>
+              <a:t>(</a:t>
+            </a:r>
+            <a:r>
+              <a:rPr lang="ko-KR" altLang="en-US" dirty="0"/>
+              <a:t>브레이크포인트</a:t>
+            </a:r>
+            <a:r>
+              <a:rPr lang="en-US" altLang="ko-KR" dirty="0"/>
+              <a:t>)</a:t>
+            </a:r>
+            <a:r>
+              <a:rPr lang="ko-KR" altLang="en-US" dirty="0"/>
+              <a:t>에서 접근 가능한 모든 변수들</a:t>
+            </a:r>
+          </a:p>
+        </p:txBody>
+      </p:sp>
+      <p:sp>
+        <p:nvSpPr>
+          <p:cNvPr id="4" name="슬라이드 번호 개체 틀 3"/>
+          <p:cNvSpPr>
+            <a:spLocks noGrp="1"/>
+          </p:cNvSpPr>
+          <p:nvPr>
+            <p:ph type="sldNum" sz="quarter" idx="5"/>
+          </p:nvPr>
+        </p:nvSpPr>
+        <p:spPr/>
+        <p:txBody>
+          <a:bodyPr/>
+          <a:lstStyle/>
+          <a:p>
+            <a:fld id="{C09E5BFC-1559-42F1-8940-AB342D56BF02}" type="slidenum">
+              <a:rPr lang="ko-KR" altLang="en-US" smtClean="0"/>
+              <a:t>7</a:t>
+            </a:fld>
+            <a:endParaRPr lang="ko-KR" altLang="en-US"/>
+          </a:p>
+        </p:txBody>
+      </p:sp>
+    </p:spTree>
+    <p:extLst>
+      <p:ext uri="{BB962C8B-B14F-4D97-AF65-F5344CB8AC3E}">
+        <p14:creationId xmlns:p14="http://schemas.microsoft.com/office/powerpoint/2010/main" val="4221673423"/>
+      </p:ext>
+    </p:extLst>
+  </p:cSld>
+  <p:clrMapOvr>
+    <a:masterClrMapping/>
+  </p:clrMapOvr>
+</p:notes>
+</file>
+
+<file path=ppt/notesSlides/notesSlide3.xml><?xml version="1.0" encoding="utf-8"?>
+<p:notes xmlns:a="http://schemas.openxmlformats.org/drawingml/2006/main" xmlns:r="http://schemas.openxmlformats.org/officeDocument/2006/relationships" xmlns:p="http://schemas.openxmlformats.org/presentationml/2006/main">
+  <p:cSld>
+    <p:spTree>
+      <p:nvGrpSpPr>
+        <p:cNvPr id="1" name=""/>
+        <p:cNvGrpSpPr/>
+        <p:nvPr/>
+      </p:nvGrpSpPr>
+      <p:grpSpPr>
+        <a:xfrm>
+          <a:off x="0" y="0"/>
+          <a:ext cx="0" cy="0"/>
+          <a:chOff x="0" y="0"/>
+          <a:chExt cx="0" cy="0"/>
+        </a:xfrm>
+      </p:grpSpPr>
+      <p:sp>
+        <p:nvSpPr>
+          <p:cNvPr id="2" name="슬라이드 이미지 개체 틀 1"/>
+          <p:cNvSpPr>
+            <a:spLocks noGrp="1" noRot="1" noChangeAspect="1"/>
+          </p:cNvSpPr>
+          <p:nvPr>
+            <p:ph type="sldImg"/>
+          </p:nvPr>
+        </p:nvSpPr>
+        <p:spPr/>
+      </p:sp>
+      <p:sp>
+        <p:nvSpPr>
+          <p:cNvPr id="3" name="슬라이드 노트 개체 틀 2"/>
+          <p:cNvSpPr>
+            <a:spLocks noGrp="1"/>
+          </p:cNvSpPr>
+          <p:nvPr>
+            <p:ph type="body" idx="1"/>
+          </p:nvPr>
+        </p:nvSpPr>
+        <p:spPr/>
+        <p:txBody>
+          <a:bodyPr/>
+          <a:lstStyle/>
+          <a:p>
+            <a:r>
               <a:rPr lang="ko-KR" altLang="en-US" dirty="0"/>
               <a:t>응용 실습은 수업 외적인 내용이 포함되고 직접 검색하는 것을 활용해서 문제를 해결하는 실습</a:t>
             </a:r>
@@ -666,54 +769,53 @@
               <a:rPr lang="en-US" altLang="ko-KR" dirty="0"/>
               <a:t>, </a:t>
             </a:r>
-            <a:endParaRPr lang="en-US" altLang="ko-KR" dirty="0" smtClean="0"/>
-          </a:p>
-          <a:p>
-            <a:r>
-              <a:rPr lang="ko-KR" altLang="en-US" dirty="0" smtClean="0"/>
+          </a:p>
+          <a:p>
+            <a:r>
+              <a:rPr lang="ko-KR" altLang="en-US" dirty="0"/>
               <a:t>숫자 </a:t>
             </a:r>
             <a:r>
-              <a:rPr lang="en-US" altLang="ko-KR" dirty="0" smtClean="0"/>
+              <a:rPr lang="en-US" altLang="ko-KR" dirty="0"/>
               <a:t>/ </a:t>
             </a:r>
             <a:r>
-              <a:rPr lang="ko-KR" altLang="en-US" dirty="0" smtClean="0"/>
+              <a:rPr lang="ko-KR" altLang="en-US" dirty="0"/>
               <a:t>사칙연산 </a:t>
             </a:r>
             <a:r>
-              <a:rPr lang="en-US" altLang="ko-KR" dirty="0" smtClean="0"/>
+              <a:rPr lang="en-US" altLang="ko-KR" dirty="0"/>
               <a:t>/ clear/</a:t>
             </a:r>
           </a:p>
           <a:p>
             <a:r>
-              <a:rPr lang="ko-KR" altLang="en-US" dirty="0" smtClean="0"/>
+              <a:rPr lang="ko-KR" altLang="en-US" dirty="0"/>
               <a:t>소수점 입력 </a:t>
             </a:r>
             <a:r>
-              <a:rPr lang="en-US" altLang="ko-KR" dirty="0" smtClean="0"/>
+              <a:rPr lang="en-US" altLang="ko-KR" dirty="0"/>
               <a:t>/ backspace </a:t>
             </a:r>
             <a:r>
-              <a:rPr lang="ko-KR" altLang="en-US" dirty="0" smtClean="0"/>
+              <a:rPr lang="ko-KR" altLang="en-US" dirty="0"/>
               <a:t>삭제 </a:t>
             </a:r>
             <a:r>
-              <a:rPr lang="en-US" altLang="ko-KR" dirty="0" smtClean="0"/>
+              <a:rPr lang="en-US" altLang="ko-KR" dirty="0"/>
               <a:t>/ </a:t>
             </a:r>
           </a:p>
           <a:p>
-            <a:endParaRPr lang="en-US" altLang="ko-KR" dirty="0" smtClean="0"/>
-          </a:p>
-          <a:p>
-            <a:r>
-              <a:rPr lang="ko-KR" altLang="en-US" dirty="0" smtClean="0"/>
+            <a:endParaRPr lang="en-US" altLang="ko-KR" dirty="0"/>
+          </a:p>
+          <a:p>
+            <a:r>
+              <a:rPr lang="ko-KR" altLang="en-US" dirty="0"/>
               <a:t>고급</a:t>
             </a:r>
             <a:r>
-              <a:rPr lang="en-US" altLang="ko-KR" dirty="0" smtClean="0"/>
+              <a:rPr lang="en-US" altLang="ko-KR" dirty="0"/>
               <a:t>:</a:t>
             </a:r>
           </a:p>
@@ -723,14 +825,14 @@
               <a:buChar char="-"/>
             </a:pPr>
             <a:r>
-              <a:rPr lang="ko-KR" altLang="en-US" dirty="0" smtClean="0"/>
+              <a:rPr lang="ko-KR" altLang="en-US" dirty="0"/>
               <a:t>실시간 </a:t>
             </a:r>
             <a:r>
-              <a:rPr lang="ko-KR" altLang="en-US" dirty="0" err="1" smtClean="0"/>
+              <a:rPr lang="ko-KR" altLang="en-US" dirty="0" err="1"/>
               <a:t>미리보기</a:t>
             </a:r>
-            <a:endParaRPr lang="en-US" altLang="ko-KR" dirty="0" smtClean="0"/>
+            <a:endParaRPr lang="en-US" altLang="ko-KR" dirty="0"/>
           </a:p>
           <a:p>
             <a:pPr marL="171450" indent="-171450">
@@ -738,14 +840,14 @@
               <a:buChar char="-"/>
             </a:pPr>
             <a:r>
-              <a:rPr lang="ko-KR" altLang="en-US" dirty="0" err="1" smtClean="0"/>
+              <a:rPr lang="ko-KR" altLang="en-US" dirty="0" err="1"/>
               <a:t>공학교</a:t>
             </a:r>
             <a:r>
-              <a:rPr lang="ko-KR" altLang="en-US" dirty="0" smtClean="0"/>
+              <a:rPr lang="ko-KR" altLang="en-US" dirty="0"/>
               <a:t> 계산기 모드</a:t>
             </a:r>
-            <a:endParaRPr lang="en-US" altLang="ko-KR" dirty="0" smtClean="0"/>
+            <a:endParaRPr lang="en-US" altLang="ko-KR" dirty="0"/>
           </a:p>
           <a:p>
             <a:pPr marL="171450" indent="-171450">
@@ -753,15 +855,15 @@
               <a:buChar char="-"/>
             </a:pPr>
             <a:r>
-              <a:rPr lang="ko-KR" altLang="en-US" dirty="0" err="1" smtClean="0"/>
+              <a:rPr lang="ko-KR" altLang="en-US" dirty="0" err="1"/>
               <a:t>테마모드</a:t>
             </a:r>
             <a:r>
-              <a:rPr lang="ko-KR" altLang="en-US" dirty="0" smtClean="0"/>
+              <a:rPr lang="ko-KR" altLang="en-US" dirty="0"/>
               <a:t> </a:t>
             </a:r>
             <a:r>
-              <a:rPr lang="en-US" altLang="ko-KR" dirty="0" smtClean="0"/>
+              <a:rPr lang="en-US" altLang="ko-KR" dirty="0"/>
               <a:t>( light/black)</a:t>
             </a:r>
           </a:p>
@@ -4834,23 +4936,15 @@
             </a:pPr>
             <a:r>
               <a:rPr lang="ko-KR" altLang="en-US" dirty="0"/>
-              <a:t>문서 작성이 완료되면 리더님께 </a:t>
-            </a:r>
-            <a:r>
-              <a:rPr lang="ko-KR" altLang="en-US" dirty="0" smtClean="0"/>
-              <a:t>전달 후</a:t>
-            </a:r>
-            <a:r>
-              <a:rPr lang="en-US" altLang="ko-KR" dirty="0" smtClean="0"/>
+              <a:t>문서 작성이 완료되면 리더님께 전달 후</a:t>
+            </a:r>
+            <a:r>
+              <a:rPr lang="en-US" altLang="ko-KR" dirty="0"/>
               <a:t>,</a:t>
             </a:r>
             <a:r>
-              <a:rPr lang="ko-KR" altLang="en-US" dirty="0" smtClean="0"/>
-              <a:t> </a:t>
-            </a:r>
-            <a:r>
-              <a:rPr lang="ko-KR" altLang="en-US" dirty="0"/>
-              <a:t>개발을 시작하기</a:t>
+              <a:rPr lang="ko-KR" altLang="en-US" dirty="0"/>
+              <a:t> 개발을 시작하기</a:t>
             </a:r>
             <a:endParaRPr lang="en-US" altLang="ko-KR" dirty="0"/>
           </a:p>
@@ -6471,7 +6565,7 @@
             <p:nvPr/>
           </p:nvPicPr>
           <p:blipFill>
-            <a:blip r:embed="rId2"/>
+            <a:blip r:embed="rId3"/>
             <a:stretch>
               <a:fillRect/>
             </a:stretch>
@@ -6657,10 +6751,10 @@
           <p:nvPr/>
         </p:nvPicPr>
         <p:blipFill>
-          <a:blip r:embed="rId3">
+          <a:blip r:embed="rId4">
             <a:extLst>
               <a:ext uri="{96DAC541-7B7A-43D3-8B79-37D633B846F1}">
-                <asvg:svgBlip xmlns:asvg="http://schemas.microsoft.com/office/drawing/2016/SVG/main" xmlns="" r:embed="rId4"/>
+                <asvg:svgBlip xmlns:asvg="http://schemas.microsoft.com/office/drawing/2016/SVG/main" r:embed="rId5"/>
               </a:ext>
             </a:extLst>
           </a:blip>
@@ -6701,10 +6795,10 @@
           <p:nvPr/>
         </p:nvPicPr>
         <p:blipFill>
-          <a:blip r:embed="rId5">
+          <a:blip r:embed="rId6">
             <a:extLst>
               <a:ext uri="{96DAC541-7B7A-43D3-8B79-37D633B846F1}">
-                <asvg:svgBlip xmlns:asvg="http://schemas.microsoft.com/office/drawing/2016/SVG/main" xmlns="" r:embed="rId6"/>
+                <asvg:svgBlip xmlns:asvg="http://schemas.microsoft.com/office/drawing/2016/SVG/main" r:embed="rId7"/>
               </a:ext>
             </a:extLst>
           </a:blip>

--- a/material/10_CSharp_기본문법 (디버깅).pptx
+++ b/material/10_CSharp_기본문법 (디버깅).pptx
@@ -24,17 +24,21 @@
   <p:notesSz cx="6858000" cy="9144000"/>
   <p:embeddedFontLst>
     <p:embeddedFont>
-      <p:font typeface="AppleSDGothicNeoB00" panose="020B0600000101010101" charset="-127"/>
+      <p:font typeface="Malgun Gothic Semilight" panose="020B0502040204020203" pitchFamily="50" charset="-127"/>
       <p:regular r:id="rId14"/>
     </p:embeddedFont>
     <p:embeddedFont>
-      <p:font typeface="AppleSDGothicNeoH00" panose="020B0600000101010101" charset="-127"/>
+      <p:font typeface="맑은 고딕" panose="020B0503020000020004" pitchFamily="50" charset="-127"/>
       <p:regular r:id="rId15"/>
+      <p:bold r:id="rId16"/>
     </p:embeddedFont>
     <p:embeddedFont>
-      <p:font typeface="맑은 고딕" panose="020B0503020000020004" pitchFamily="50" charset="-127"/>
-      <p:regular r:id="rId16"/>
-      <p:bold r:id="rId17"/>
+      <p:font typeface="AppleSDGothicNeoB00" panose="020B0600000101010101" charset="-127"/>
+      <p:regular r:id="rId17"/>
+    </p:embeddedFont>
+    <p:embeddedFont>
+      <p:font typeface="AppleSDGothicNeoH00" panose="020B0600000101010101" charset="-127"/>
+      <p:regular r:id="rId18"/>
     </p:embeddedFont>
   </p:embeddedFontLst>
   <p:defaultTextStyle>
@@ -225,7 +229,7 @@
           <a:p>
             <a:fld id="{2EF3F159-7250-4DD4-91C2-13B35D56E1AF}" type="datetimeFigureOut">
               <a:rPr lang="ko-KR" altLang="en-US" smtClean="0"/>
-              <a:t>2025-05-02</a:t>
+              <a:t>2025-06-08</a:t>
             </a:fld>
             <a:endParaRPr lang="ko-KR" altLang="en-US"/>
           </a:p>
@@ -644,30 +648,7 @@
           <a:bodyPr/>
           <a:lstStyle/>
           <a:p>
-            <a:r>
-              <a:rPr lang="en-US" altLang="ko-KR" dirty="0"/>
-              <a:t>Local : </a:t>
-            </a:r>
-            <a:r>
-              <a:rPr lang="ko-KR" altLang="en-US" dirty="0"/>
-              <a:t>현재 멈춘 시점</a:t>
-            </a:r>
-            <a:r>
-              <a:rPr lang="en-US" altLang="ko-KR" dirty="0"/>
-              <a:t>(</a:t>
-            </a:r>
-            <a:r>
-              <a:rPr lang="ko-KR" altLang="en-US" dirty="0"/>
-              <a:t>브레이크포인트</a:t>
-            </a:r>
-            <a:r>
-              <a:rPr lang="en-US" altLang="ko-KR" dirty="0"/>
-              <a:t>)</a:t>
-            </a:r>
-            <a:r>
-              <a:rPr lang="ko-KR" altLang="en-US" dirty="0"/>
-              <a:t>에서 접근 가능한 모든 변수들</a:t>
-            </a:r>
+            <a:endParaRPr lang="ko-KR" altLang="en-US" dirty="0"/>
           </a:p>
         </p:txBody>
       </p:sp>
@@ -750,123 +731,6 @@
         <p:txBody>
           <a:bodyPr/>
           <a:lstStyle/>
-          <a:p>
-            <a:r>
-              <a:rPr lang="ko-KR" altLang="en-US" dirty="0"/>
-              <a:t>응용 실습은 수업 외적인 내용이 포함되고 직접 검색하는 것을 활용해서 문제를 해결하는 실습</a:t>
-            </a:r>
-            <a:endParaRPr lang="en-US" altLang="ko-KR" dirty="0"/>
-          </a:p>
-          <a:p>
-            <a:endParaRPr lang="en-US" altLang="ko-KR" dirty="0"/>
-          </a:p>
-          <a:p>
-            <a:r>
-              <a:rPr lang="ko-KR" altLang="en-US" dirty="0"/>
-              <a:t>문자열 숫자 변환</a:t>
-            </a:r>
-            <a:r>
-              <a:rPr lang="en-US" altLang="ko-KR" dirty="0"/>
-              <a:t>, </a:t>
-            </a:r>
-          </a:p>
-          <a:p>
-            <a:r>
-              <a:rPr lang="ko-KR" altLang="en-US" dirty="0"/>
-              <a:t>숫자 </a:t>
-            </a:r>
-            <a:r>
-              <a:rPr lang="en-US" altLang="ko-KR" dirty="0"/>
-              <a:t>/ </a:t>
-            </a:r>
-            <a:r>
-              <a:rPr lang="ko-KR" altLang="en-US" dirty="0"/>
-              <a:t>사칙연산 </a:t>
-            </a:r>
-            <a:r>
-              <a:rPr lang="en-US" altLang="ko-KR" dirty="0"/>
-              <a:t>/ clear/</a:t>
-            </a:r>
-          </a:p>
-          <a:p>
-            <a:r>
-              <a:rPr lang="ko-KR" altLang="en-US" dirty="0"/>
-              <a:t>소수점 입력 </a:t>
-            </a:r>
-            <a:r>
-              <a:rPr lang="en-US" altLang="ko-KR" dirty="0"/>
-              <a:t>/ backspace </a:t>
-            </a:r>
-            <a:r>
-              <a:rPr lang="ko-KR" altLang="en-US" dirty="0"/>
-              <a:t>삭제 </a:t>
-            </a:r>
-            <a:r>
-              <a:rPr lang="en-US" altLang="ko-KR" dirty="0"/>
-              <a:t>/ </a:t>
-            </a:r>
-          </a:p>
-          <a:p>
-            <a:endParaRPr lang="en-US" altLang="ko-KR" dirty="0"/>
-          </a:p>
-          <a:p>
-            <a:r>
-              <a:rPr lang="ko-KR" altLang="en-US" dirty="0"/>
-              <a:t>고급</a:t>
-            </a:r>
-            <a:r>
-              <a:rPr lang="en-US" altLang="ko-KR" dirty="0"/>
-              <a:t>:</a:t>
-            </a:r>
-          </a:p>
-          <a:p>
-            <a:pPr marL="171450" indent="-171450">
-              <a:buFontTx/>
-              <a:buChar char="-"/>
-            </a:pPr>
-            <a:r>
-              <a:rPr lang="ko-KR" altLang="en-US" dirty="0"/>
-              <a:t>실시간 </a:t>
-            </a:r>
-            <a:r>
-              <a:rPr lang="ko-KR" altLang="en-US" dirty="0" err="1"/>
-              <a:t>미리보기</a:t>
-            </a:r>
-            <a:endParaRPr lang="en-US" altLang="ko-KR" dirty="0"/>
-          </a:p>
-          <a:p>
-            <a:pPr marL="171450" indent="-171450">
-              <a:buFontTx/>
-              <a:buChar char="-"/>
-            </a:pPr>
-            <a:r>
-              <a:rPr lang="ko-KR" altLang="en-US" dirty="0" err="1"/>
-              <a:t>공학교</a:t>
-            </a:r>
-            <a:r>
-              <a:rPr lang="ko-KR" altLang="en-US" dirty="0"/>
-              <a:t> 계산기 모드</a:t>
-            </a:r>
-            <a:endParaRPr lang="en-US" altLang="ko-KR" dirty="0"/>
-          </a:p>
-          <a:p>
-            <a:pPr marL="171450" indent="-171450">
-              <a:buFontTx/>
-              <a:buChar char="-"/>
-            </a:pPr>
-            <a:r>
-              <a:rPr lang="ko-KR" altLang="en-US" dirty="0" err="1"/>
-              <a:t>테마모드</a:t>
-            </a:r>
-            <a:r>
-              <a:rPr lang="ko-KR" altLang="en-US" dirty="0"/>
-              <a:t> </a:t>
-            </a:r>
-            <a:r>
-              <a:rPr lang="en-US" altLang="ko-KR" dirty="0"/>
-              <a:t>( light/black)</a:t>
-            </a:r>
-          </a:p>
           <a:p>
             <a:pPr marL="171450" indent="-171450">
               <a:buFontTx/>
@@ -1053,7 +917,7 @@
           <a:p>
             <a:fld id="{442BEE3F-2E9A-4FD8-8B8A-8619F3E161C0}" type="datetime1">
               <a:rPr lang="ko-KR" altLang="en-US" smtClean="0"/>
-              <a:t>2025-05-02</a:t>
+              <a:t>2025-06-08</a:t>
             </a:fld>
             <a:endParaRPr lang="ko-KR" altLang="en-US"/>
           </a:p>
@@ -1239,7 +1103,7 @@
           <a:p>
             <a:fld id="{2EAE422B-0E68-47B5-84BB-CA2BDA8EE46C}" type="datetime1">
               <a:rPr lang="ko-KR" altLang="en-US" smtClean="0"/>
-              <a:t>2025-05-02</a:t>
+              <a:t>2025-06-08</a:t>
             </a:fld>
             <a:endParaRPr lang="ko-KR" altLang="en-US"/>
           </a:p>
@@ -1447,7 +1311,7 @@
           <a:p>
             <a:fld id="{AF7C623F-179B-417F-99B6-50F6DF228D4B}" type="datetime1">
               <a:rPr lang="ko-KR" altLang="en-US" smtClean="0"/>
-              <a:t>2025-05-02</a:t>
+              <a:t>2025-06-08</a:t>
             </a:fld>
             <a:endParaRPr lang="ko-KR" altLang="en-US"/>
           </a:p>
@@ -1676,7 +1540,7 @@
           <a:p>
             <a:fld id="{0F78D9C4-20C1-4B15-A116-16DC77AD9A1E}" type="datetime1">
               <a:rPr lang="ko-KR" altLang="en-US" smtClean="0"/>
-              <a:t>2025-05-02</a:t>
+              <a:t>2025-06-08</a:t>
             </a:fld>
             <a:endParaRPr lang="ko-KR" altLang="en-US"/>
           </a:p>
@@ -1951,7 +1815,7 @@
           <a:p>
             <a:fld id="{C7F43723-C509-4DEA-8428-B50818F79709}" type="datetime1">
               <a:rPr lang="ko-KR" altLang="en-US" smtClean="0"/>
-              <a:t>2025-05-02</a:t>
+              <a:t>2025-06-08</a:t>
             </a:fld>
             <a:endParaRPr lang="ko-KR" altLang="en-US"/>
           </a:p>
@@ -2216,7 +2080,7 @@
           <a:p>
             <a:fld id="{5D2B7482-EE74-4DBD-97F4-D0DAC0C0E4E5}" type="datetime1">
               <a:rPr lang="ko-KR" altLang="en-US" smtClean="0"/>
-              <a:t>2025-05-02</a:t>
+              <a:t>2025-06-08</a:t>
             </a:fld>
             <a:endParaRPr lang="ko-KR" altLang="en-US"/>
           </a:p>
@@ -2629,7 +2493,7 @@
           <a:p>
             <a:fld id="{051A8C49-CED7-4A86-9B4A-621D7F62EE92}" type="datetime1">
               <a:rPr lang="ko-KR" altLang="en-US" smtClean="0"/>
-              <a:t>2025-05-02</a:t>
+              <a:t>2025-06-08</a:t>
             </a:fld>
             <a:endParaRPr lang="ko-KR" altLang="en-US"/>
           </a:p>
@@ -2776,7 +2640,7 @@
           <a:p>
             <a:fld id="{84082D76-7079-412D-848B-E1B9E7A6A286}" type="datetime1">
               <a:rPr lang="ko-KR" altLang="en-US" smtClean="0"/>
-              <a:t>2025-05-02</a:t>
+              <a:t>2025-06-08</a:t>
             </a:fld>
             <a:endParaRPr lang="ko-KR" altLang="en-US"/>
           </a:p>
@@ -2889,7 +2753,7 @@
           <a:p>
             <a:fld id="{10C5FEB5-5F88-4F49-9108-1795E314F09F}" type="datetime1">
               <a:rPr lang="ko-KR" altLang="en-US" smtClean="0"/>
-              <a:t>2025-05-02</a:t>
+              <a:t>2025-06-08</a:t>
             </a:fld>
             <a:endParaRPr lang="ko-KR" altLang="en-US"/>
           </a:p>
@@ -3200,7 +3064,7 @@
           <a:p>
             <a:fld id="{E37ABBEE-D8D4-48AD-9887-4DC578B8A684}" type="datetime1">
               <a:rPr lang="ko-KR" altLang="en-US" smtClean="0"/>
-              <a:t>2025-05-02</a:t>
+              <a:t>2025-06-08</a:t>
             </a:fld>
             <a:endParaRPr lang="ko-KR" altLang="en-US"/>
           </a:p>
@@ -3491,7 +3355,7 @@
           <a:p>
             <a:fld id="{A2D6A55C-F3DD-45DD-9D50-F8680410167D}" type="datetime1">
               <a:rPr lang="ko-KR" altLang="en-US" smtClean="0"/>
-              <a:t>2025-05-02</a:t>
+              <a:t>2025-06-08</a:t>
             </a:fld>
             <a:endParaRPr lang="ko-KR" altLang="en-US"/>
           </a:p>
@@ -3735,7 +3599,7 @@
             <a:fld id="{7F5E23C3-0E3D-4E4E-8486-D7FB4C073DC1}" type="datetime1">
               <a:rPr lang="ko-KR" altLang="en-US" smtClean="0"/>
               <a:pPr/>
-              <a:t>2025-05-02</a:t>
+              <a:t>2025-06-08</a:t>
             </a:fld>
             <a:endParaRPr lang="ko-KR" altLang="en-US" dirty="0"/>
           </a:p>
@@ -4263,7 +4127,7 @@
           <a:p>
             <a:fld id="{2E2BEDFA-D8AA-4914-9440-7DF713C99FA9}" type="datetime1">
               <a:rPr lang="ko-KR" altLang="en-US" smtClean="0"/>
-              <a:t>2025-05-02</a:t>
+              <a:t>2025-06-08</a:t>
             </a:fld>
             <a:endParaRPr lang="ko-KR" altLang="en-US"/>
           </a:p>
@@ -4414,7 +4278,7 @@
           <a:p>
             <a:fld id="{0F78D9C4-20C1-4B15-A116-16DC77AD9A1E}" type="datetime1">
               <a:rPr lang="ko-KR" altLang="en-US" smtClean="0"/>
-              <a:t>2025-05-02</a:t>
+              <a:t>2025-06-08</a:t>
             </a:fld>
             <a:endParaRPr lang="ko-KR" altLang="en-US"/>
           </a:p>
@@ -4973,7 +4837,7 @@
           <a:p>
             <a:fld id="{0F78D9C4-20C1-4B15-A116-16DC77AD9A1E}" type="datetime1">
               <a:rPr lang="ko-KR" altLang="en-US" smtClean="0"/>
-              <a:t>2025-05-02</a:t>
+              <a:t>2025-06-08</a:t>
             </a:fld>
             <a:endParaRPr lang="ko-KR" altLang="en-US"/>
           </a:p>
@@ -5243,7 +5107,7 @@
           <a:p>
             <a:fld id="{0F78D9C4-20C1-4B15-A116-16DC77AD9A1E}" type="datetime1">
               <a:rPr lang="ko-KR" altLang="en-US" smtClean="0"/>
-              <a:t>2025-05-02</a:t>
+              <a:t>2025-06-08</a:t>
             </a:fld>
             <a:endParaRPr lang="ko-KR" altLang="en-US"/>
           </a:p>
@@ -5365,7 +5229,7 @@
           <a:p>
             <a:fld id="{0F78D9C4-20C1-4B15-A116-16DC77AD9A1E}" type="datetime1">
               <a:rPr lang="ko-KR" altLang="en-US" smtClean="0"/>
-              <a:t>2025-05-02</a:t>
+              <a:t>2025-06-08</a:t>
             </a:fld>
             <a:endParaRPr lang="ko-KR" altLang="en-US"/>
           </a:p>
@@ -5612,7 +5476,7 @@
           <a:p>
             <a:fld id="{0F78D9C4-20C1-4B15-A116-16DC77AD9A1E}" type="datetime1">
               <a:rPr lang="ko-KR" altLang="en-US" smtClean="0"/>
-              <a:t>2025-05-02</a:t>
+              <a:t>2025-06-08</a:t>
             </a:fld>
             <a:endParaRPr lang="ko-KR" altLang="en-US"/>
           </a:p>
@@ -5792,7 +5656,7 @@
           <a:p>
             <a:fld id="{0F78D9C4-20C1-4B15-A116-16DC77AD9A1E}" type="datetime1">
               <a:rPr lang="ko-KR" altLang="en-US" smtClean="0"/>
-              <a:t>2025-05-02</a:t>
+              <a:t>2025-06-08</a:t>
             </a:fld>
             <a:endParaRPr lang="ko-KR" altLang="en-US"/>
           </a:p>
@@ -6167,7 +6031,7 @@
           <a:p>
             <a:fld id="{0F78D9C4-20C1-4B15-A116-16DC77AD9A1E}" type="datetime1">
               <a:rPr lang="ko-KR" altLang="en-US" smtClean="0"/>
-              <a:t>2025-05-02</a:t>
+              <a:t>2025-06-08</a:t>
             </a:fld>
             <a:endParaRPr lang="ko-KR" altLang="en-US"/>
           </a:p>
@@ -6406,7 +6270,7 @@
           <a:p>
             <a:fld id="{0F78D9C4-20C1-4B15-A116-16DC77AD9A1E}" type="datetime1">
               <a:rPr lang="ko-KR" altLang="en-US" smtClean="0"/>
-              <a:t>2025-05-02</a:t>
+              <a:t>2025-06-08</a:t>
             </a:fld>
             <a:endParaRPr lang="ko-KR" altLang="en-US"/>
           </a:p>
@@ -6754,7 +6618,7 @@
           <a:blip r:embed="rId4">
             <a:extLst>
               <a:ext uri="{96DAC541-7B7A-43D3-8B79-37D633B846F1}">
-                <asvg:svgBlip xmlns:asvg="http://schemas.microsoft.com/office/drawing/2016/SVG/main" r:embed="rId5"/>
+                <asvg:svgBlip xmlns:asvg="http://schemas.microsoft.com/office/drawing/2016/SVG/main" xmlns="" r:embed="rId5"/>
               </a:ext>
             </a:extLst>
           </a:blip>
@@ -6798,7 +6662,7 @@
           <a:blip r:embed="rId6">
             <a:extLst>
               <a:ext uri="{96DAC541-7B7A-43D3-8B79-37D633B846F1}">
-                <asvg:svgBlip xmlns:asvg="http://schemas.microsoft.com/office/drawing/2016/SVG/main" r:embed="rId7"/>
+                <asvg:svgBlip xmlns:asvg="http://schemas.microsoft.com/office/drawing/2016/SVG/main" xmlns="" r:embed="rId7"/>
               </a:ext>
             </a:extLst>
           </a:blip>
@@ -6970,7 +6834,7 @@
           <a:p>
             <a:fld id="{0F78D9C4-20C1-4B15-A116-16DC77AD9A1E}" type="datetime1">
               <a:rPr lang="ko-KR" altLang="en-US" smtClean="0"/>
-              <a:t>2025-05-02</a:t>
+              <a:t>2025-06-08</a:t>
             </a:fld>
             <a:endParaRPr lang="ko-KR" altLang="en-US"/>
           </a:p>
@@ -7218,7 +7082,7 @@
           <a:p>
             <a:fld id="{0F78D9C4-20C1-4B15-A116-16DC77AD9A1E}" type="datetime1">
               <a:rPr lang="ko-KR" altLang="en-US" smtClean="0"/>
-              <a:t>2025-05-02</a:t>
+              <a:t>2025-06-08</a:t>
             </a:fld>
             <a:endParaRPr lang="ko-KR" altLang="en-US"/>
           </a:p>
